--- a/Painty studios ltd.pptx
+++ b/Painty studios ltd.pptx
@@ -118,15 +118,92 @@
 </p:presentation>
 </file>
 
+<file path=ppt/revisionInfo.xml><?xml version="1.0" encoding="utf-8"?>
+<p1510:revInfo xmlns:a="http://schemas.openxmlformats.org/drawingml/2006/main" xmlns:r="http://schemas.openxmlformats.org/officeDocument/2006/relationships" xmlns:p1510="http://schemas.microsoft.com/office/powerpoint/2015/10/main">
+  <p1510:revLst>
+    <p1510:client id="{CA12EEF9-0C40-46B4-A048-0D3038F8A7F7}" v="4" dt="2020-11-17T08:10:50.572"/>
+  </p1510:revLst>
+</p1510:revInfo>
+</file>
+
 <file path=ppt/changesInfos/changesInfo1.xml><?xml version="1.0" encoding="utf-8"?>
 <pc:chgInfo xmlns:a="http://schemas.openxmlformats.org/drawingml/2006/main" xmlns:r="http://schemas.openxmlformats.org/officeDocument/2006/relationships" xmlns:ac="http://schemas.microsoft.com/office/drawing/2013/main/command" xmlns:pc="http://schemas.microsoft.com/office/powerpoint/2013/main/command">
   <pc:docChgLst>
     <pc:chgData name="Davies, Alicia" userId="5f915b94-848d-43f2-b24b-18518d2d0501" providerId="ADAL" clId="{CA12EEF9-0C40-46B4-A048-0D3038F8A7F7}"/>
-    <pc:docChg chg="modSld">
-      <pc:chgData name="Davies, Alicia" userId="5f915b94-848d-43f2-b24b-18518d2d0501" providerId="ADAL" clId="{CA12EEF9-0C40-46B4-A048-0D3038F8A7F7}" dt="2020-11-17T07:11:27.429" v="14" actId="20577"/>
+    <pc:docChg chg="custSel modSld">
+      <pc:chgData name="Davies, Alicia" userId="5f915b94-848d-43f2-b24b-18518d2d0501" providerId="ADAL" clId="{CA12EEF9-0C40-46B4-A048-0D3038F8A7F7}" dt="2020-11-17T08:11:06.887" v="243" actId="20577"/>
       <pc:docMkLst>
         <pc:docMk/>
       </pc:docMkLst>
+      <pc:sldChg chg="addSp modSp">
+        <pc:chgData name="Davies, Alicia" userId="5f915b94-848d-43f2-b24b-18518d2d0501" providerId="ADAL" clId="{CA12EEF9-0C40-46B4-A048-0D3038F8A7F7}" dt="2020-11-17T08:10:13.946" v="118" actId="14100"/>
+        <pc:sldMkLst>
+          <pc:docMk/>
+          <pc:sldMk cId="2811396759" sldId="259"/>
+        </pc:sldMkLst>
+        <pc:spChg chg="mod">
+          <ac:chgData name="Davies, Alicia" userId="5f915b94-848d-43f2-b24b-18518d2d0501" providerId="ADAL" clId="{CA12EEF9-0C40-46B4-A048-0D3038F8A7F7}" dt="2020-11-17T08:09:36.966" v="16" actId="27636"/>
+          <ac:spMkLst>
+            <pc:docMk/>
+            <pc:sldMk cId="2811396759" sldId="259"/>
+            <ac:spMk id="3" creationId="{553174C9-5598-4862-BDEF-F0B360D7956C}"/>
+          </ac:spMkLst>
+        </pc:spChg>
+        <pc:spChg chg="add mod">
+          <ac:chgData name="Davies, Alicia" userId="5f915b94-848d-43f2-b24b-18518d2d0501" providerId="ADAL" clId="{CA12EEF9-0C40-46B4-A048-0D3038F8A7F7}" dt="2020-11-17T08:10:13.946" v="118" actId="14100"/>
+          <ac:spMkLst>
+            <pc:docMk/>
+            <pc:sldMk cId="2811396759" sldId="259"/>
+            <ac:spMk id="5" creationId="{EA7DA5DF-33FA-48AC-9950-BE29B1F33823}"/>
+          </ac:spMkLst>
+        </pc:spChg>
+        <pc:picChg chg="add mod">
+          <ac:chgData name="Davies, Alicia" userId="5f915b94-848d-43f2-b24b-18518d2d0501" providerId="ADAL" clId="{CA12EEF9-0C40-46B4-A048-0D3038F8A7F7}" dt="2020-11-17T08:09:48.177" v="22" actId="1076"/>
+          <ac:picMkLst>
+            <pc:docMk/>
+            <pc:sldMk cId="2811396759" sldId="259"/>
+            <ac:picMk id="4" creationId="{C36A0F9F-FC85-47F8-8456-4B68DF0AA082}"/>
+          </ac:picMkLst>
+        </pc:picChg>
+      </pc:sldChg>
+      <pc:sldChg chg="addSp modSp">
+        <pc:chgData name="Davies, Alicia" userId="5f915b94-848d-43f2-b24b-18518d2d0501" providerId="ADAL" clId="{CA12EEF9-0C40-46B4-A048-0D3038F8A7F7}" dt="2020-11-17T08:10:45.031" v="191" actId="20577"/>
+        <pc:sldMkLst>
+          <pc:docMk/>
+          <pc:sldMk cId="2088300150" sldId="260"/>
+        </pc:sldMkLst>
+        <pc:spChg chg="add mod">
+          <ac:chgData name="Davies, Alicia" userId="5f915b94-848d-43f2-b24b-18518d2d0501" providerId="ADAL" clId="{CA12EEF9-0C40-46B4-A048-0D3038F8A7F7}" dt="2020-11-17T08:10:45.031" v="191" actId="20577"/>
+          <ac:spMkLst>
+            <pc:docMk/>
+            <pc:sldMk cId="2088300150" sldId="260"/>
+            <ac:spMk id="5" creationId="{0E97A05E-208B-48D5-BC71-4243F90E737A}"/>
+          </ac:spMkLst>
+        </pc:spChg>
+        <pc:picChg chg="mod">
+          <ac:chgData name="Davies, Alicia" userId="5f915b94-848d-43f2-b24b-18518d2d0501" providerId="ADAL" clId="{CA12EEF9-0C40-46B4-A048-0D3038F8A7F7}" dt="2020-11-17T08:10:41.871" v="183" actId="1076"/>
+          <ac:picMkLst>
+            <pc:docMk/>
+            <pc:sldMk cId="2088300150" sldId="260"/>
+            <ac:picMk id="4" creationId="{48742EDB-6220-4172-A913-727CB0197A13}"/>
+          </ac:picMkLst>
+        </pc:picChg>
+      </pc:sldChg>
+      <pc:sldChg chg="addSp modSp">
+        <pc:chgData name="Davies, Alicia" userId="5f915b94-848d-43f2-b24b-18518d2d0501" providerId="ADAL" clId="{CA12EEF9-0C40-46B4-A048-0D3038F8A7F7}" dt="2020-11-17T08:11:06.887" v="243" actId="20577"/>
+        <pc:sldMkLst>
+          <pc:docMk/>
+          <pc:sldMk cId="3733572900" sldId="261"/>
+        </pc:sldMkLst>
+        <pc:spChg chg="add mod">
+          <ac:chgData name="Davies, Alicia" userId="5f915b94-848d-43f2-b24b-18518d2d0501" providerId="ADAL" clId="{CA12EEF9-0C40-46B4-A048-0D3038F8A7F7}" dt="2020-11-17T08:11:06.887" v="243" actId="20577"/>
+          <ac:spMkLst>
+            <pc:docMk/>
+            <pc:sldMk cId="3733572900" sldId="261"/>
+            <ac:spMk id="5" creationId="{0166EAB4-6F67-48C7-A78B-6AB78A8FECE2}"/>
+          </ac:spMkLst>
+        </pc:spChg>
+      </pc:sldChg>
       <pc:sldChg chg="modSp">
         <pc:chgData name="Davies, Alicia" userId="5f915b94-848d-43f2-b24b-18518d2d0501" providerId="ADAL" clId="{CA12EEF9-0C40-46B4-A048-0D3038F8A7F7}" dt="2020-11-17T07:11:27.429" v="14" actId="20577"/>
         <pc:sldMkLst>
@@ -6161,9 +6238,16 @@
             <p:ph idx="1"/>
           </p:nvPr>
         </p:nvSpPr>
-        <p:spPr/>
-        <p:txBody>
-          <a:bodyPr/>
+        <p:spPr>
+          <a:xfrm>
+            <a:off x="685800" y="2194560"/>
+            <a:ext cx="5715000" cy="4024125"/>
+          </a:xfrm>
+        </p:spPr>
+        <p:txBody>
+          <a:bodyPr>
+            <a:normAutofit lnSpcReduction="10000"/>
+          </a:bodyPr>
           <a:lstStyle/>
           <a:p>
             <a:pPr marL="0" indent="0">
@@ -6202,6 +6286,71 @@
             <a:r>
               <a:rPr lang="en-GB" dirty="0"/>
               <a:t>Step 5: Cluster Analysis</a:t>
+            </a:r>
+          </a:p>
+        </p:txBody>
+      </p:sp>
+      <p:pic>
+        <p:nvPicPr>
+          <p:cNvPr id="4" name="Picture 3">
+            <a:extLst>
+              <a:ext uri="{FF2B5EF4-FFF2-40B4-BE49-F238E27FC236}">
+                <a16:creationId xmlns:a16="http://schemas.microsoft.com/office/drawing/2014/main" id="{C36A0F9F-FC85-47F8-8456-4B68DF0AA082}"/>
+              </a:ext>
+            </a:extLst>
+          </p:cNvPr>
+          <p:cNvPicPr>
+            <a:picLocks noChangeAspect="1"/>
+          </p:cNvPicPr>
+          <p:nvPr/>
+        </p:nvPicPr>
+        <p:blipFill>
+          <a:blip r:embed="rId2"/>
+          <a:stretch>
+            <a:fillRect/>
+          </a:stretch>
+        </p:blipFill>
+        <p:spPr>
+          <a:xfrm>
+            <a:off x="6931278" y="1918335"/>
+            <a:ext cx="4730243" cy="4073482"/>
+          </a:xfrm>
+          <a:prstGeom prst="rect">
+            <a:avLst/>
+          </a:prstGeom>
+        </p:spPr>
+      </p:pic>
+      <p:sp>
+        <p:nvSpPr>
+          <p:cNvPr id="5" name="TextBox 4">
+            <a:extLst>
+              <a:ext uri="{FF2B5EF4-FFF2-40B4-BE49-F238E27FC236}">
+                <a16:creationId xmlns:a16="http://schemas.microsoft.com/office/drawing/2014/main" id="{EA7DA5DF-33FA-48AC-9950-BE29B1F33823}"/>
+              </a:ext>
+            </a:extLst>
+          </p:cNvPr>
+          <p:cNvSpPr txBox="1"/>
+          <p:nvPr/>
+        </p:nvSpPr>
+        <p:spPr>
+          <a:xfrm>
+            <a:off x="7038975" y="6093627"/>
+            <a:ext cx="4730243" cy="646331"/>
+          </a:xfrm>
+          <a:prstGeom prst="rect">
+            <a:avLst/>
+          </a:prstGeom>
+          <a:noFill/>
+        </p:spPr>
+        <p:txBody>
+          <a:bodyPr wrap="square" rtlCol="0">
+            <a:spAutoFit/>
+          </a:bodyPr>
+          <a:lstStyle/>
+          <a:p>
+            <a:r>
+              <a:rPr lang="en-GB" dirty="0"/>
+              <a:t>Correlation matrix between existing artistic venues in London</a:t>
             </a:r>
           </a:p>
         </p:txBody>
@@ -6337,7 +6486,7 @@
         </p:blipFill>
         <p:spPr>
           <a:xfrm>
-            <a:off x="5953126" y="1905001"/>
+            <a:off x="5953127" y="1746176"/>
             <a:ext cx="6042978" cy="4381498"/>
           </a:xfrm>
           <a:prstGeom prst="rect">
@@ -6345,6 +6494,41 @@
           </a:prstGeom>
         </p:spPr>
       </p:pic>
+      <p:sp>
+        <p:nvSpPr>
+          <p:cNvPr id="5" name="TextBox 4">
+            <a:extLst>
+              <a:ext uri="{FF2B5EF4-FFF2-40B4-BE49-F238E27FC236}">
+                <a16:creationId xmlns:a16="http://schemas.microsoft.com/office/drawing/2014/main" id="{0E97A05E-208B-48D5-BC71-4243F90E737A}"/>
+              </a:ext>
+            </a:extLst>
+          </p:cNvPr>
+          <p:cNvSpPr txBox="1"/>
+          <p:nvPr/>
+        </p:nvSpPr>
+        <p:spPr>
+          <a:xfrm>
+            <a:off x="5953127" y="6093627"/>
+            <a:ext cx="5816092" cy="646331"/>
+          </a:xfrm>
+          <a:prstGeom prst="rect">
+            <a:avLst/>
+          </a:prstGeom>
+          <a:noFill/>
+        </p:spPr>
+        <p:txBody>
+          <a:bodyPr wrap="square" rtlCol="0">
+            <a:spAutoFit/>
+          </a:bodyPr>
+          <a:lstStyle/>
+          <a:p>
+            <a:r>
+              <a:rPr lang="en-GB" dirty="0"/>
+              <a:t>Art galleries per cluster (grouping based on k-means algorithm)</a:t>
+            </a:r>
+          </a:p>
+        </p:txBody>
+      </p:sp>
     </p:spTree>
     <p:extLst>
       <p:ext uri="{BB962C8B-B14F-4D97-AF65-F5344CB8AC3E}">
@@ -6470,6 +6654,45 @@
           </a:prstGeom>
         </p:spPr>
       </p:pic>
+      <p:sp>
+        <p:nvSpPr>
+          <p:cNvPr id="5" name="TextBox 4">
+            <a:extLst>
+              <a:ext uri="{FF2B5EF4-FFF2-40B4-BE49-F238E27FC236}">
+                <a16:creationId xmlns:a16="http://schemas.microsoft.com/office/drawing/2014/main" id="{0166EAB4-6F67-48C7-A78B-6AB78A8FECE2}"/>
+              </a:ext>
+            </a:extLst>
+          </p:cNvPr>
+          <p:cNvSpPr txBox="1"/>
+          <p:nvPr/>
+        </p:nvSpPr>
+        <p:spPr>
+          <a:xfrm>
+            <a:off x="5950204" y="6325739"/>
+            <a:ext cx="5816092" cy="369332"/>
+          </a:xfrm>
+          <a:prstGeom prst="rect">
+            <a:avLst/>
+          </a:prstGeom>
+          <a:noFill/>
+        </p:spPr>
+        <p:txBody>
+          <a:bodyPr wrap="square" rtlCol="0">
+            <a:spAutoFit/>
+          </a:bodyPr>
+          <a:lstStyle/>
+          <a:p>
+            <a:r>
+              <a:rPr lang="en-GB"/>
+              <a:t>Existing art </a:t>
+            </a:r>
+            <a:r>
+              <a:rPr lang="en-GB" dirty="0"/>
+              <a:t>galleries in target cluster</a:t>
+            </a:r>
+          </a:p>
+        </p:txBody>
+      </p:sp>
     </p:spTree>
     <p:extLst>
       <p:ext uri="{BB962C8B-B14F-4D97-AF65-F5344CB8AC3E}">
@@ -6874,12 +7097,9 @@
 </file>
 
 <file path=customXml/item1.xml><?xml version="1.0" encoding="utf-8"?>
-<?mso-contentType ?>
-<FormTemplates xmlns="http://schemas.microsoft.com/sharepoint/v3/contenttype/forms">
-  <Display>DocumentLibraryForm</Display>
-  <Edit>DocumentLibraryForm</Edit>
-  <New>DocumentLibraryForm</New>
-</FormTemplates>
+<p:properties xmlns:p="http://schemas.microsoft.com/office/2006/metadata/properties" xmlns:xsi="http://www.w3.org/2001/XMLSchema-instance" xmlns:pc="http://schemas.microsoft.com/office/infopath/2007/PartnerControls">
+  <documentManagement/>
+</p:properties>
 </file>
 
 <file path=customXml/item2.xml><?xml version="1.0" encoding="utf-8"?>
@@ -7106,15 +7326,19 @@
 </file>
 
 <file path=customXml/item3.xml><?xml version="1.0" encoding="utf-8"?>
-<p:properties xmlns:p="http://schemas.microsoft.com/office/2006/metadata/properties" xmlns:xsi="http://www.w3.org/2001/XMLSchema-instance" xmlns:pc="http://schemas.microsoft.com/office/infopath/2007/PartnerControls">
-  <documentManagement/>
-</p:properties>
+<?mso-contentType ?>
+<FormTemplates xmlns="http://schemas.microsoft.com/sharepoint/v3/contenttype/forms">
+  <Display>DocumentLibraryForm</Display>
+  <Edit>DocumentLibraryForm</Edit>
+  <New>DocumentLibraryForm</New>
+</FormTemplates>
 </file>
 
 <file path=customXml/itemProps1.xml><?xml version="1.0" encoding="utf-8"?>
-<ds:datastoreItem xmlns:ds="http://schemas.openxmlformats.org/officeDocument/2006/customXml" ds:itemID="{1100DDEF-880F-4D4E-B95E-9B0C7E28DB01}">
+<ds:datastoreItem xmlns:ds="http://schemas.openxmlformats.org/officeDocument/2006/customXml" ds:itemID="{DF412789-236D-454B-9E75-39CD98B16D59}">
   <ds:schemaRefs>
-    <ds:schemaRef ds:uri="http://schemas.microsoft.com/sharepoint/v3/contenttype/forms"/>
+    <ds:schemaRef ds:uri="http://schemas.microsoft.com/office/2006/metadata/properties"/>
+    <ds:schemaRef ds:uri="http://schemas.microsoft.com/office/infopath/2007/PartnerControls"/>
   </ds:schemaRefs>
 </ds:datastoreItem>
 </file>
@@ -7139,10 +7363,9 @@
 </file>
 
 <file path=customXml/itemProps3.xml><?xml version="1.0" encoding="utf-8"?>
-<ds:datastoreItem xmlns:ds="http://schemas.openxmlformats.org/officeDocument/2006/customXml" ds:itemID="{DF412789-236D-454B-9E75-39CD98B16D59}">
+<ds:datastoreItem xmlns:ds="http://schemas.openxmlformats.org/officeDocument/2006/customXml" ds:itemID="{1100DDEF-880F-4D4E-B95E-9B0C7E28DB01}">
   <ds:schemaRefs>
-    <ds:schemaRef ds:uri="http://schemas.microsoft.com/office/2006/metadata/properties"/>
-    <ds:schemaRef ds:uri="http://schemas.microsoft.com/office/infopath/2007/PartnerControls"/>
+    <ds:schemaRef ds:uri="http://schemas.microsoft.com/sharepoint/v3/contenttype/forms"/>
   </ds:schemaRefs>
 </ds:datastoreItem>
 </file>
--- a/Painty studios ltd.pptx
+++ b/Painty studios ltd.pptx
@@ -131,18 +131,18 @@
   <pc:docChgLst>
     <pc:chgData name="Davies, Alicia" userId="5f915b94-848d-43f2-b24b-18518d2d0501" providerId="ADAL" clId="{CA12EEF9-0C40-46B4-A048-0D3038F8A7F7}"/>
     <pc:docChg chg="custSel modSld">
-      <pc:chgData name="Davies, Alicia" userId="5f915b94-848d-43f2-b24b-18518d2d0501" providerId="ADAL" clId="{CA12EEF9-0C40-46B4-A048-0D3038F8A7F7}" dt="2020-11-17T08:11:06.887" v="243" actId="20577"/>
+      <pc:chgData name="Davies, Alicia" userId="5f915b94-848d-43f2-b24b-18518d2d0501" providerId="ADAL" clId="{CA12EEF9-0C40-46B4-A048-0D3038F8A7F7}" dt="2020-11-17T09:07:23.106" v="487" actId="20577"/>
       <pc:docMkLst>
         <pc:docMk/>
       </pc:docMkLst>
       <pc:sldChg chg="addSp modSp">
-        <pc:chgData name="Davies, Alicia" userId="5f915b94-848d-43f2-b24b-18518d2d0501" providerId="ADAL" clId="{CA12EEF9-0C40-46B4-A048-0D3038F8A7F7}" dt="2020-11-17T08:10:13.946" v="118" actId="14100"/>
+        <pc:chgData name="Davies, Alicia" userId="5f915b94-848d-43f2-b24b-18518d2d0501" providerId="ADAL" clId="{CA12EEF9-0C40-46B4-A048-0D3038F8A7F7}" dt="2020-11-17T09:07:23.106" v="487" actId="20577"/>
         <pc:sldMkLst>
           <pc:docMk/>
           <pc:sldMk cId="2811396759" sldId="259"/>
         </pc:sldMkLst>
         <pc:spChg chg="mod">
-          <ac:chgData name="Davies, Alicia" userId="5f915b94-848d-43f2-b24b-18518d2d0501" providerId="ADAL" clId="{CA12EEF9-0C40-46B4-A048-0D3038F8A7F7}" dt="2020-11-17T08:09:36.966" v="16" actId="27636"/>
+          <ac:chgData name="Davies, Alicia" userId="5f915b94-848d-43f2-b24b-18518d2d0501" providerId="ADAL" clId="{CA12EEF9-0C40-46B4-A048-0D3038F8A7F7}" dt="2020-11-17T09:07:23.106" v="487" actId="20577"/>
           <ac:spMkLst>
             <pc:docMk/>
             <pc:sldMk cId="2811396759" sldId="259"/>
@@ -150,7 +150,7 @@
           </ac:spMkLst>
         </pc:spChg>
         <pc:spChg chg="add mod">
-          <ac:chgData name="Davies, Alicia" userId="5f915b94-848d-43f2-b24b-18518d2d0501" providerId="ADAL" clId="{CA12EEF9-0C40-46B4-A048-0D3038F8A7F7}" dt="2020-11-17T08:10:13.946" v="118" actId="14100"/>
+          <ac:chgData name="Davies, Alicia" userId="5f915b94-848d-43f2-b24b-18518d2d0501" providerId="ADAL" clId="{CA12EEF9-0C40-46B4-A048-0D3038F8A7F7}" dt="2020-11-17T09:07:06.006" v="413" actId="1076"/>
           <ac:spMkLst>
             <pc:docMk/>
             <pc:sldMk cId="2811396759" sldId="259"/>
@@ -6279,14 +6279,19 @@
           <a:p>
             <a:r>
               <a:rPr lang="en-GB" dirty="0"/>
-              <a:t>Step 4: Clustering K-means machine learning algorithm to group the Boroughs</a:t>
+              <a:t>Step 4: Grouping Boroughs via clustering machine learning algorithm</a:t>
             </a:r>
           </a:p>
           <a:p>
             <a:r>
               <a:rPr lang="en-GB" dirty="0"/>
-              <a:t>Step 5: Cluster Analysis</a:t>
-            </a:r>
+              <a:t>Step 5: Cluster Analysis to recommend most appropriate Borough to set </a:t>
+            </a:r>
+            <a:r>
+              <a:rPr lang="en-GB"/>
+              <a:t>up gallery</a:t>
+            </a:r>
+            <a:endParaRPr lang="en-GB" dirty="0"/>
           </a:p>
         </p:txBody>
       </p:sp>
@@ -6334,8 +6339,8 @@
         </p:nvSpPr>
         <p:spPr>
           <a:xfrm>
-            <a:off x="7038975" y="6093627"/>
-            <a:ext cx="4730243" cy="646331"/>
+            <a:off x="6787299" y="5991817"/>
+            <a:ext cx="5217589" cy="646331"/>
           </a:xfrm>
           <a:prstGeom prst="rect">
             <a:avLst/>
@@ -6350,7 +6355,7 @@
           <a:p>
             <a:r>
               <a:rPr lang="en-GB" dirty="0"/>
-              <a:t>Correlation matrix between existing artistic venues in London</a:t>
+              <a:t>Feature analysis example: Correlation matrix between existing artistic venues in London</a:t>
             </a:r>
           </a:p>
         </p:txBody>
@@ -7097,9 +7102,12 @@
 </file>
 
 <file path=customXml/item1.xml><?xml version="1.0" encoding="utf-8"?>
-<p:properties xmlns:p="http://schemas.microsoft.com/office/2006/metadata/properties" xmlns:xsi="http://www.w3.org/2001/XMLSchema-instance" xmlns:pc="http://schemas.microsoft.com/office/infopath/2007/PartnerControls">
-  <documentManagement/>
-</p:properties>
+<?mso-contentType ?>
+<FormTemplates xmlns="http://schemas.microsoft.com/sharepoint/v3/contenttype/forms">
+  <Display>DocumentLibraryForm</Display>
+  <Edit>DocumentLibraryForm</Edit>
+  <New>DocumentLibraryForm</New>
+</FormTemplates>
 </file>
 
 <file path=customXml/item2.xml><?xml version="1.0" encoding="utf-8"?>
@@ -7326,19 +7334,15 @@
 </file>
 
 <file path=customXml/item3.xml><?xml version="1.0" encoding="utf-8"?>
-<?mso-contentType ?>
-<FormTemplates xmlns="http://schemas.microsoft.com/sharepoint/v3/contenttype/forms">
-  <Display>DocumentLibraryForm</Display>
-  <Edit>DocumentLibraryForm</Edit>
-  <New>DocumentLibraryForm</New>
-</FormTemplates>
+<p:properties xmlns:p="http://schemas.microsoft.com/office/2006/metadata/properties" xmlns:xsi="http://www.w3.org/2001/XMLSchema-instance" xmlns:pc="http://schemas.microsoft.com/office/infopath/2007/PartnerControls">
+  <documentManagement/>
+</p:properties>
 </file>
 
 <file path=customXml/itemProps1.xml><?xml version="1.0" encoding="utf-8"?>
-<ds:datastoreItem xmlns:ds="http://schemas.openxmlformats.org/officeDocument/2006/customXml" ds:itemID="{DF412789-236D-454B-9E75-39CD98B16D59}">
+<ds:datastoreItem xmlns:ds="http://schemas.openxmlformats.org/officeDocument/2006/customXml" ds:itemID="{1100DDEF-880F-4D4E-B95E-9B0C7E28DB01}">
   <ds:schemaRefs>
-    <ds:schemaRef ds:uri="http://schemas.microsoft.com/office/2006/metadata/properties"/>
-    <ds:schemaRef ds:uri="http://schemas.microsoft.com/office/infopath/2007/PartnerControls"/>
+    <ds:schemaRef ds:uri="http://schemas.microsoft.com/sharepoint/v3/contenttype/forms"/>
   </ds:schemaRefs>
 </ds:datastoreItem>
 </file>
@@ -7363,9 +7367,10 @@
 </file>
 
 <file path=customXml/itemProps3.xml><?xml version="1.0" encoding="utf-8"?>
-<ds:datastoreItem xmlns:ds="http://schemas.openxmlformats.org/officeDocument/2006/customXml" ds:itemID="{1100DDEF-880F-4D4E-B95E-9B0C7E28DB01}">
+<ds:datastoreItem xmlns:ds="http://schemas.openxmlformats.org/officeDocument/2006/customXml" ds:itemID="{DF412789-236D-454B-9E75-39CD98B16D59}">
   <ds:schemaRefs>
-    <ds:schemaRef ds:uri="http://schemas.microsoft.com/sharepoint/v3/contenttype/forms"/>
+    <ds:schemaRef ds:uri="http://schemas.microsoft.com/office/2006/metadata/properties"/>
+    <ds:schemaRef ds:uri="http://schemas.microsoft.com/office/infopath/2007/PartnerControls"/>
   </ds:schemaRefs>
 </ds:datastoreItem>
 </file>